--- a/docs/LayoutArchitecture.pptx
+++ b/docs/LayoutArchitecture.pptx
@@ -104,6 +104,11 @@
       </a:defRPr>
     </a:lvl9pPr>
   </p:defaultTextStyle>
+  <p:extLst>
+    <p:ext uri="{EFAFB233-063F-42B5-8137-9DF3F51BA10A}">
+      <p15:sldGuideLst xmlns:p15="http://schemas.microsoft.com/office/powerpoint/2012/main"/>
+    </p:ext>
+  </p:extLst>
 </p:presentation>
 </file>
 
@@ -254,7 +259,7 @@
           <a:p>
             <a:fld id="{A7B545F7-80E7-4CB4-BA68-2CBCB2D2AFF5}" type="datetimeFigureOut">
               <a:rPr lang="en-US" smtClean="0"/>
-              <a:t>6/20/2025</a:t>
+              <a:t>6/22/2025</a:t>
             </a:fld>
             <a:endParaRPr lang="en-US"/>
           </a:p>
@@ -452,7 +457,7 @@
           <a:p>
             <a:fld id="{A7B545F7-80E7-4CB4-BA68-2CBCB2D2AFF5}" type="datetimeFigureOut">
               <a:rPr lang="en-US" smtClean="0"/>
-              <a:t>6/20/2025</a:t>
+              <a:t>6/22/2025</a:t>
             </a:fld>
             <a:endParaRPr lang="en-US"/>
           </a:p>
@@ -660,7 +665,7 @@
           <a:p>
             <a:fld id="{A7B545F7-80E7-4CB4-BA68-2CBCB2D2AFF5}" type="datetimeFigureOut">
               <a:rPr lang="en-US" smtClean="0"/>
-              <a:t>6/20/2025</a:t>
+              <a:t>6/22/2025</a:t>
             </a:fld>
             <a:endParaRPr lang="en-US"/>
           </a:p>
@@ -858,7 +863,7 @@
           <a:p>
             <a:fld id="{A7B545F7-80E7-4CB4-BA68-2CBCB2D2AFF5}" type="datetimeFigureOut">
               <a:rPr lang="en-US" smtClean="0"/>
-              <a:t>6/20/2025</a:t>
+              <a:t>6/22/2025</a:t>
             </a:fld>
             <a:endParaRPr lang="en-US"/>
           </a:p>
@@ -1133,7 +1138,7 @@
           <a:p>
             <a:fld id="{A7B545F7-80E7-4CB4-BA68-2CBCB2D2AFF5}" type="datetimeFigureOut">
               <a:rPr lang="en-US" smtClean="0"/>
-              <a:t>6/20/2025</a:t>
+              <a:t>6/22/2025</a:t>
             </a:fld>
             <a:endParaRPr lang="en-US"/>
           </a:p>
@@ -1398,7 +1403,7 @@
           <a:p>
             <a:fld id="{A7B545F7-80E7-4CB4-BA68-2CBCB2D2AFF5}" type="datetimeFigureOut">
               <a:rPr lang="en-US" smtClean="0"/>
-              <a:t>6/20/2025</a:t>
+              <a:t>6/22/2025</a:t>
             </a:fld>
             <a:endParaRPr lang="en-US"/>
           </a:p>
@@ -1810,7 +1815,7 @@
           <a:p>
             <a:fld id="{A7B545F7-80E7-4CB4-BA68-2CBCB2D2AFF5}" type="datetimeFigureOut">
               <a:rPr lang="en-US" smtClean="0"/>
-              <a:t>6/20/2025</a:t>
+              <a:t>6/22/2025</a:t>
             </a:fld>
             <a:endParaRPr lang="en-US"/>
           </a:p>
@@ -1951,7 +1956,7 @@
           <a:p>
             <a:fld id="{A7B545F7-80E7-4CB4-BA68-2CBCB2D2AFF5}" type="datetimeFigureOut">
               <a:rPr lang="en-US" smtClean="0"/>
-              <a:t>6/20/2025</a:t>
+              <a:t>6/22/2025</a:t>
             </a:fld>
             <a:endParaRPr lang="en-US"/>
           </a:p>
@@ -2064,7 +2069,7 @@
           <a:p>
             <a:fld id="{A7B545F7-80E7-4CB4-BA68-2CBCB2D2AFF5}" type="datetimeFigureOut">
               <a:rPr lang="en-US" smtClean="0"/>
-              <a:t>6/20/2025</a:t>
+              <a:t>6/22/2025</a:t>
             </a:fld>
             <a:endParaRPr lang="en-US"/>
           </a:p>
@@ -2375,7 +2380,7 @@
           <a:p>
             <a:fld id="{A7B545F7-80E7-4CB4-BA68-2CBCB2D2AFF5}" type="datetimeFigureOut">
               <a:rPr lang="en-US" smtClean="0"/>
-              <a:t>6/20/2025</a:t>
+              <a:t>6/22/2025</a:t>
             </a:fld>
             <a:endParaRPr lang="en-US"/>
           </a:p>
@@ -2663,7 +2668,7 @@
           <a:p>
             <a:fld id="{A7B545F7-80E7-4CB4-BA68-2CBCB2D2AFF5}" type="datetimeFigureOut">
               <a:rPr lang="en-US" smtClean="0"/>
-              <a:t>6/20/2025</a:t>
+              <a:t>6/22/2025</a:t>
             </a:fld>
             <a:endParaRPr lang="en-US"/>
           </a:p>
@@ -2904,7 +2909,7 @@
           <a:p>
             <a:fld id="{A7B545F7-80E7-4CB4-BA68-2CBCB2D2AFF5}" type="datetimeFigureOut">
               <a:rPr lang="en-US" smtClean="0"/>
-              <a:t>6/20/2025</a:t>
+              <a:t>6/22/2025</a:t>
             </a:fld>
             <a:endParaRPr lang="en-US"/>
           </a:p>
@@ -3951,7 +3956,7 @@
               <a:pPr algn="ctr"/>
               <a:r>
                 <a:rPr lang="en-US" b="1" dirty="0"/>
-                <a:t>Retrieval Agent</a:t>
+                <a:t>Agent</a:t>
               </a:r>
             </a:p>
           </p:txBody>
@@ -4361,7 +4366,7 @@
         <p:spPr>
           <a:xfrm>
             <a:off x="3532240" y="936709"/>
-            <a:ext cx="759541" cy="0"/>
+            <a:ext cx="763782" cy="12125"/>
           </a:xfrm>
           <a:prstGeom prst="straightConnector1">
             <a:avLst/>
@@ -4497,13 +4502,13 @@
         </p:spPr>
         <p:style>
           <a:lnRef idx="2">
-            <a:schemeClr val="accent1"/>
+            <a:schemeClr val="accent6"/>
           </a:lnRef>
           <a:fillRef idx="0">
-            <a:schemeClr val="accent1"/>
+            <a:schemeClr val="accent6"/>
           </a:fillRef>
           <a:effectRef idx="1">
-            <a:schemeClr val="accent1"/>
+            <a:schemeClr val="accent6"/>
           </a:effectRef>
           <a:fontRef idx="minor">
             <a:schemeClr val="tx1"/>
@@ -4525,9 +4530,9 @@
           <p:nvPr/>
         </p:nvCxnSpPr>
         <p:spPr>
-          <a:xfrm>
-            <a:off x="6496665" y="1316819"/>
-            <a:ext cx="0" cy="3009730"/>
+          <a:xfrm flipH="1">
+            <a:off x="6472062" y="1316819"/>
+            <a:ext cx="24603" cy="3833643"/>
           </a:xfrm>
           <a:prstGeom prst="line">
             <a:avLst/>
@@ -4535,13 +4540,13 @@
         </p:spPr>
         <p:style>
           <a:lnRef idx="2">
-            <a:schemeClr val="accent1"/>
+            <a:schemeClr val="dk1"/>
           </a:lnRef>
           <a:fillRef idx="0">
-            <a:schemeClr val="accent1"/>
+            <a:schemeClr val="dk1"/>
           </a:fillRef>
           <a:effectRef idx="1">
-            <a:schemeClr val="accent1"/>
+            <a:schemeClr val="dk1"/>
           </a:effectRef>
           <a:fontRef idx="minor">
             <a:schemeClr val="tx1"/>
@@ -4565,8 +4570,8 @@
         </p:nvCxnSpPr>
         <p:spPr>
           <a:xfrm>
-            <a:off x="6496665" y="4326549"/>
-            <a:ext cx="985319" cy="0"/>
+            <a:off x="6463697" y="4326549"/>
+            <a:ext cx="1018287" cy="0"/>
           </a:xfrm>
           <a:prstGeom prst="straightConnector1">
             <a:avLst/>
@@ -4618,13 +4623,13 @@
         </p:spPr>
         <p:style>
           <a:lnRef idx="2">
-            <a:schemeClr val="accent1"/>
+            <a:schemeClr val="accent6"/>
           </a:lnRef>
           <a:fillRef idx="0">
-            <a:schemeClr val="accent1"/>
+            <a:schemeClr val="accent6"/>
           </a:fillRef>
           <a:effectRef idx="1">
-            <a:schemeClr val="accent1"/>
+            <a:schemeClr val="accent6"/>
           </a:effectRef>
           <a:fontRef idx="minor">
             <a:schemeClr val="tx1"/>
@@ -4786,7 +4791,7 @@
                   </a:outerShdw>
                 </a:effectLst>
               </a:rPr>
-              <a:t>Agentic RAG </a:t>
+              <a:t>Agentic RAG</a:t>
             </a:r>
             <a:r>
               <a:rPr lang="en-US" dirty="0">
@@ -4814,7 +4819,7 @@
                   </a:outerShdw>
                 </a:effectLst>
               </a:rPr>
-              <a:t>Medical Assistant Bot / Symptom Diagnosis</a:t>
+              <a:t>Multi-modal/Multi-agent Medical AI</a:t>
             </a:r>
           </a:p>
         </p:txBody>
@@ -5109,6 +5114,127 @@
             <a:r>
               <a:rPr lang="en-US" sz="1200" b="1" dirty="0"/>
               <a:t>6</a:t>
+            </a:r>
+          </a:p>
+        </p:txBody>
+      </p:sp>
+      <p:cxnSp>
+        <p:nvCxnSpPr>
+          <p:cNvPr id="2" name="Straight Arrow Connector 1">
+            <a:extLst>
+              <a:ext uri="{FF2B5EF4-FFF2-40B4-BE49-F238E27FC236}">
+                <a16:creationId xmlns:a16="http://schemas.microsoft.com/office/drawing/2014/main" id="{BAC54DD9-0A01-2676-CBF1-18473F444DAB}"/>
+              </a:ext>
+            </a:extLst>
+          </p:cNvPr>
+          <p:cNvCxnSpPr>
+            <a:cxnSpLocks/>
+          </p:cNvCxnSpPr>
+          <p:nvPr/>
+        </p:nvCxnSpPr>
+        <p:spPr>
+          <a:xfrm>
+            <a:off x="6463697" y="5150462"/>
+            <a:ext cx="1018287" cy="0"/>
+          </a:xfrm>
+          <a:prstGeom prst="straightConnector1">
+            <a:avLst/>
+          </a:prstGeom>
+          <a:ln>
+            <a:tailEnd type="triangle"/>
+          </a:ln>
+        </p:spPr>
+        <p:style>
+          <a:lnRef idx="2">
+            <a:schemeClr val="accent5"/>
+          </a:lnRef>
+          <a:fillRef idx="0">
+            <a:schemeClr val="accent5"/>
+          </a:fillRef>
+          <a:effectRef idx="1">
+            <a:schemeClr val="accent5"/>
+          </a:effectRef>
+          <a:fontRef idx="minor">
+            <a:schemeClr val="tx1"/>
+          </a:fontRef>
+        </p:style>
+      </p:cxnSp>
+      <p:pic>
+        <p:nvPicPr>
+          <p:cNvPr id="3" name="Picture 2">
+            <a:extLst>
+              <a:ext uri="{FF2B5EF4-FFF2-40B4-BE49-F238E27FC236}">
+                <a16:creationId xmlns:a16="http://schemas.microsoft.com/office/drawing/2014/main" id="{FE843BBB-90BE-19C5-C1A2-70FA7A3B5B22}"/>
+              </a:ext>
+            </a:extLst>
+          </p:cNvPr>
+          <p:cNvPicPr>
+            <a:picLocks noChangeAspect="1"/>
+          </p:cNvPicPr>
+          <p:nvPr/>
+        </p:nvPicPr>
+        <p:blipFill>
+          <a:blip r:embed="rId4">
+            <a:duotone>
+              <a:schemeClr val="accent5">
+                <a:shade val="45000"/>
+                <a:satMod val="135000"/>
+              </a:schemeClr>
+              <a:prstClr val="white"/>
+            </a:duotone>
+          </a:blip>
+          <a:stretch>
+            <a:fillRect/>
+          </a:stretch>
+        </p:blipFill>
+        <p:spPr>
+          <a:xfrm>
+            <a:off x="7587470" y="4826984"/>
+            <a:ext cx="461801" cy="400152"/>
+          </a:xfrm>
+          <a:prstGeom prst="rect">
+            <a:avLst/>
+          </a:prstGeom>
+        </p:spPr>
+      </p:pic>
+      <p:sp>
+        <p:nvSpPr>
+          <p:cNvPr id="4" name="TextBox 3">
+            <a:extLst>
+              <a:ext uri="{FF2B5EF4-FFF2-40B4-BE49-F238E27FC236}">
+                <a16:creationId xmlns:a16="http://schemas.microsoft.com/office/drawing/2014/main" id="{8A2D9CC1-9624-8B93-066D-3D7D10960F85}"/>
+              </a:ext>
+            </a:extLst>
+          </p:cNvPr>
+          <p:cNvSpPr txBox="1"/>
+          <p:nvPr/>
+        </p:nvSpPr>
+        <p:spPr>
+          <a:xfrm>
+            <a:off x="7309226" y="5201662"/>
+            <a:ext cx="1018287" cy="253916"/>
+          </a:xfrm>
+          <a:prstGeom prst="rect">
+            <a:avLst/>
+          </a:prstGeom>
+          <a:noFill/>
+        </p:spPr>
+        <p:txBody>
+          <a:bodyPr wrap="square" rtlCol="0">
+            <a:spAutoFit/>
+          </a:bodyPr>
+          <a:lstStyle/>
+          <a:p>
+            <a:r>
+              <a:rPr lang="en-US" sz="1050" b="1" dirty="0">
+                <a:solidFill>
+                  <a:schemeClr val="accent5">
+                    <a:lumMod val="60000"/>
+                    <a:lumOff val="40000"/>
+                  </a:schemeClr>
+                </a:solidFill>
+              </a:rPr>
+              <a:t>Vision Tools</a:t>
             </a:r>
           </a:p>
         </p:txBody>
